--- a/slides/2017-09-11 NHL Minor CVDS.pptx
+++ b/slides/2017-09-11 NHL Minor CVDS.pptx
@@ -5,7 +5,7 @@
     <p:sldMasterId id="2147483660" r:id="rId1"/>
   </p:sldMasterIdLst>
   <p:notesMasterIdLst>
-    <p:notesMasterId r:id="rId23"/>
+    <p:notesMasterId r:id="rId26"/>
   </p:notesMasterIdLst>
   <p:sldIdLst>
     <p:sldId id="256" r:id="rId2"/>
@@ -24,11 +24,14 @@
     <p:sldId id="265" r:id="rId15"/>
     <p:sldId id="266" r:id="rId16"/>
     <p:sldId id="267" r:id="rId17"/>
-    <p:sldId id="268" r:id="rId18"/>
-    <p:sldId id="269" r:id="rId19"/>
-    <p:sldId id="273" r:id="rId20"/>
-    <p:sldId id="274" r:id="rId21"/>
-    <p:sldId id="271" r:id="rId22"/>
+    <p:sldId id="274" r:id="rId18"/>
+    <p:sldId id="279" r:id="rId19"/>
+    <p:sldId id="281" r:id="rId20"/>
+    <p:sldId id="283" r:id="rId21"/>
+    <p:sldId id="284" r:id="rId22"/>
+    <p:sldId id="282" r:id="rId23"/>
+    <p:sldId id="280" r:id="rId24"/>
+    <p:sldId id="271" r:id="rId25"/>
   </p:sldIdLst>
   <p:sldSz cx="9144000" cy="6858000" type="screen4x3"/>
   <p:notesSz cx="6858000" cy="9144000"/>
@@ -146,6 +149,10 @@
 </p:presentation>
 </file>
 
+<file path=ppt/revisionInfo.xml><?xml version="1.0" encoding="utf-8"?>
+<p1510:revInfo xmlns:a="http://schemas.openxmlformats.org/drawingml/2006/main" xmlns:r="http://schemas.openxmlformats.org/officeDocument/2006/relationships" xmlns:p1510="http://schemas.microsoft.com/office/powerpoint/2015/10/main"/>
+</file>
+
 <file path=ppt/notesMasters/notesMaster1.xml><?xml version="1.0" encoding="utf-8"?>
 <p:notesMaster xmlns:a="http://schemas.openxmlformats.org/drawingml/2006/main" xmlns:r="http://schemas.openxmlformats.org/officeDocument/2006/relationships" xmlns:p="http://schemas.openxmlformats.org/presentationml/2006/main">
   <p:cSld>
@@ -228,7 +235,7 @@
           <a:p>
             <a:fld id="{F18044B2-49CF-4224-B7B2-A72BC842CC1F}" type="datetimeFigureOut">
               <a:rPr lang="en-GB" smtClean="0"/>
-              <a:t>09/09/2017</a:t>
+              <a:t>10/09/2017</a:t>
             </a:fld>
             <a:endParaRPr lang="en-GB"/>
           </a:p>
@@ -777,7 +784,7 @@
           <a:blip r:embed="rId2" cstate="email">
             <a:extLst>
               <a:ext uri="{28A0092B-C50C-407E-A947-70E740481C1C}">
-                <a14:useLocalDpi xmlns:a14="http://schemas.microsoft.com/office/drawing/2010/main"/>
+                <a14:useLocalDpi xmlns:a14="http://schemas.microsoft.com/office/drawing/2010/main" val="0"/>
               </a:ext>
             </a:extLst>
           </a:blip>
@@ -954,7 +961,7 @@
           <a:blip r:embed="rId2" cstate="email">
             <a:extLst>
               <a:ext uri="{28A0092B-C50C-407E-A947-70E740481C1C}">
-                <a14:useLocalDpi xmlns:a14="http://schemas.microsoft.com/office/drawing/2010/main"/>
+                <a14:useLocalDpi xmlns:a14="http://schemas.microsoft.com/office/drawing/2010/main" val="0"/>
               </a:ext>
             </a:extLst>
           </a:blip>
@@ -1141,7 +1148,7 @@
           <a:blip r:embed="rId2" cstate="email">
             <a:extLst>
               <a:ext uri="{28A0092B-C50C-407E-A947-70E740481C1C}">
-                <a14:useLocalDpi xmlns:a14="http://schemas.microsoft.com/office/drawing/2010/main"/>
+                <a14:useLocalDpi xmlns:a14="http://schemas.microsoft.com/office/drawing/2010/main" val="0"/>
               </a:ext>
             </a:extLst>
           </a:blip>
@@ -1318,7 +1325,7 @@
           <a:blip r:embed="rId2" cstate="email">
             <a:extLst>
               <a:ext uri="{28A0092B-C50C-407E-A947-70E740481C1C}">
-                <a14:useLocalDpi xmlns:a14="http://schemas.microsoft.com/office/drawing/2010/main"/>
+                <a14:useLocalDpi xmlns:a14="http://schemas.microsoft.com/office/drawing/2010/main" val="0"/>
               </a:ext>
             </a:extLst>
           </a:blip>
@@ -1573,7 +1580,7 @@
           <a:blip r:embed="rId2" cstate="email">
             <a:extLst>
               <a:ext uri="{28A0092B-C50C-407E-A947-70E740481C1C}">
-                <a14:useLocalDpi xmlns:a14="http://schemas.microsoft.com/office/drawing/2010/main"/>
+                <a14:useLocalDpi xmlns:a14="http://schemas.microsoft.com/office/drawing/2010/main" val="0"/>
               </a:ext>
             </a:extLst>
           </a:blip>
@@ -1872,7 +1879,7 @@
           <a:blip r:embed="rId2" cstate="email">
             <a:extLst>
               <a:ext uri="{28A0092B-C50C-407E-A947-70E740481C1C}">
-                <a14:useLocalDpi xmlns:a14="http://schemas.microsoft.com/office/drawing/2010/main"/>
+                <a14:useLocalDpi xmlns:a14="http://schemas.microsoft.com/office/drawing/2010/main" val="0"/>
               </a:ext>
             </a:extLst>
           </a:blip>
@@ -2309,7 +2316,7 @@
           <a:blip r:embed="rId2" cstate="email">
             <a:extLst>
               <a:ext uri="{28A0092B-C50C-407E-A947-70E740481C1C}">
-                <a14:useLocalDpi xmlns:a14="http://schemas.microsoft.com/office/drawing/2010/main"/>
+                <a14:useLocalDpi xmlns:a14="http://schemas.microsoft.com/office/drawing/2010/main" val="0"/>
               </a:ext>
             </a:extLst>
           </a:blip>
@@ -2434,7 +2441,7 @@
           <a:blip r:embed="rId2" cstate="email">
             <a:extLst>
               <a:ext uri="{28A0092B-C50C-407E-A947-70E740481C1C}">
-                <a14:useLocalDpi xmlns:a14="http://schemas.microsoft.com/office/drawing/2010/main"/>
+                <a14:useLocalDpi xmlns:a14="http://schemas.microsoft.com/office/drawing/2010/main" val="0"/>
               </a:ext>
             </a:extLst>
           </a:blip>
@@ -2536,7 +2543,7 @@
           <a:blip r:embed="rId2" cstate="email">
             <a:extLst>
               <a:ext uri="{28A0092B-C50C-407E-A947-70E740481C1C}">
-                <a14:useLocalDpi xmlns:a14="http://schemas.microsoft.com/office/drawing/2010/main"/>
+                <a14:useLocalDpi xmlns:a14="http://schemas.microsoft.com/office/drawing/2010/main" val="0"/>
               </a:ext>
             </a:extLst>
           </a:blip>
@@ -2873,7 +2880,7 @@
           <a:blip r:embed="rId3" cstate="email">
             <a:extLst>
               <a:ext uri="{28A0092B-C50C-407E-A947-70E740481C1C}">
-                <a14:useLocalDpi xmlns:a14="http://schemas.microsoft.com/office/drawing/2010/main"/>
+                <a14:useLocalDpi xmlns:a14="http://schemas.microsoft.com/office/drawing/2010/main" val="0"/>
               </a:ext>
             </a:extLst>
           </a:blip>
@@ -3099,7 +3106,7 @@
           <a:blip r:embed="rId13" cstate="email">
             <a:extLst>
               <a:ext uri="{28A0092B-C50C-407E-A947-70E740481C1C}">
-                <a14:useLocalDpi xmlns:a14="http://schemas.microsoft.com/office/drawing/2010/main"/>
+                <a14:useLocalDpi xmlns:a14="http://schemas.microsoft.com/office/drawing/2010/main" val="0"/>
               </a:ext>
             </a:extLst>
           </a:blip>
@@ -3883,6 +3890,9 @@
                   </a14:imgLayer>
                 </a14:imgProps>
               </a:ext>
+              <a:ext uri="{28A0092B-C50C-407E-A947-70E740481C1C}">
+                <a14:useLocalDpi xmlns:a14="http://schemas.microsoft.com/office/drawing/2010/main" val="0"/>
+              </a:ext>
             </a:extLst>
           </a:blip>
           <a:srcRect/>
@@ -4138,7 +4148,7 @@
           <a:blip r:embed="rId2" cstate="email">
             <a:extLst>
               <a:ext uri="{28A0092B-C50C-407E-A947-70E740481C1C}">
-                <a14:useLocalDpi xmlns:a14="http://schemas.microsoft.com/office/drawing/2010/main"/>
+                <a14:useLocalDpi xmlns:a14="http://schemas.microsoft.com/office/drawing/2010/main" val="0"/>
               </a:ext>
             </a:extLst>
           </a:blip>
@@ -4267,7 +4277,7 @@
           <a:blip r:embed="rId2" cstate="email">
             <a:extLst>
               <a:ext uri="{28A0092B-C50C-407E-A947-70E740481C1C}">
-                <a14:useLocalDpi xmlns:a14="http://schemas.microsoft.com/office/drawing/2010/main"/>
+                <a14:useLocalDpi xmlns:a14="http://schemas.microsoft.com/office/drawing/2010/main" val="0"/>
               </a:ext>
             </a:extLst>
           </a:blip>
@@ -4297,7 +4307,7 @@
           <a:blip r:embed="rId3">
             <a:extLst>
               <a:ext uri="{28A0092B-C50C-407E-A947-70E740481C1C}">
-                <a14:useLocalDpi xmlns:a14="http://schemas.microsoft.com/office/drawing/2010/main"/>
+                <a14:useLocalDpi xmlns:a14="http://schemas.microsoft.com/office/drawing/2010/main" val="0"/>
               </a:ext>
             </a:extLst>
           </a:blip>
@@ -4558,7 +4568,7 @@
           <a:blip r:embed="rId2" cstate="email">
             <a:extLst>
               <a:ext uri="{28A0092B-C50C-407E-A947-70E740481C1C}">
-                <a14:useLocalDpi xmlns:a14="http://schemas.microsoft.com/office/drawing/2010/main"/>
+                <a14:useLocalDpi xmlns:a14="http://schemas.microsoft.com/office/drawing/2010/main" val="0"/>
               </a:ext>
             </a:extLst>
           </a:blip>
@@ -4599,7 +4609,7 @@
           <a:blip r:embed="rId3" cstate="email">
             <a:extLst>
               <a:ext uri="{28A0092B-C50C-407E-A947-70E740481C1C}">
-                <a14:useLocalDpi xmlns:a14="http://schemas.microsoft.com/office/drawing/2010/main"/>
+                <a14:useLocalDpi xmlns:a14="http://schemas.microsoft.com/office/drawing/2010/main" val="0"/>
               </a:ext>
             </a:extLst>
           </a:blip>
@@ -4640,7 +4650,7 @@
           <a:blip r:embed="rId4" cstate="email">
             <a:extLst>
               <a:ext uri="{28A0092B-C50C-407E-A947-70E740481C1C}">
-                <a14:useLocalDpi xmlns:a14="http://schemas.microsoft.com/office/drawing/2010/main"/>
+                <a14:useLocalDpi xmlns:a14="http://schemas.microsoft.com/office/drawing/2010/main" val="0"/>
               </a:ext>
             </a:extLst>
           </a:blip>
@@ -4771,7 +4781,7 @@
           <a:blip r:embed="rId5" cstate="email">
             <a:extLst>
               <a:ext uri="{28A0092B-C50C-407E-A947-70E740481C1C}">
-                <a14:useLocalDpi xmlns:a14="http://schemas.microsoft.com/office/drawing/2010/main"/>
+                <a14:useLocalDpi xmlns:a14="http://schemas.microsoft.com/office/drawing/2010/main" val="0"/>
               </a:ext>
             </a:extLst>
           </a:blip>
@@ -4927,7 +4937,7 @@
           <a:blip r:embed="rId2" cstate="email">
             <a:extLst>
               <a:ext uri="{28A0092B-C50C-407E-A947-70E740481C1C}">
-                <a14:useLocalDpi xmlns:a14="http://schemas.microsoft.com/office/drawing/2010/main"/>
+                <a14:useLocalDpi xmlns:a14="http://schemas.microsoft.com/office/drawing/2010/main" val="0"/>
               </a:ext>
             </a:extLst>
           </a:blip>
@@ -5103,7 +5113,7 @@
           <a:blip r:embed="rId2" cstate="email">
             <a:extLst>
               <a:ext uri="{28A0092B-C50C-407E-A947-70E740481C1C}">
-                <a14:useLocalDpi xmlns:a14="http://schemas.microsoft.com/office/drawing/2010/main"/>
+                <a14:useLocalDpi xmlns:a14="http://schemas.microsoft.com/office/drawing/2010/main" val="0"/>
               </a:ext>
             </a:extLst>
           </a:blip>
@@ -5132,7 +5142,7 @@
           <a:blip r:embed="rId3" cstate="email">
             <a:extLst>
               <a:ext uri="{28A0092B-C50C-407E-A947-70E740481C1C}">
-                <a14:useLocalDpi xmlns:a14="http://schemas.microsoft.com/office/drawing/2010/main"/>
+                <a14:useLocalDpi xmlns:a14="http://schemas.microsoft.com/office/drawing/2010/main" val="0"/>
               </a:ext>
             </a:extLst>
           </a:blip>
@@ -5161,7 +5171,7 @@
           <a:blip r:embed="rId4" cstate="email">
             <a:extLst>
               <a:ext uri="{28A0092B-C50C-407E-A947-70E740481C1C}">
-                <a14:useLocalDpi xmlns:a14="http://schemas.microsoft.com/office/drawing/2010/main"/>
+                <a14:useLocalDpi xmlns:a14="http://schemas.microsoft.com/office/drawing/2010/main" val="0"/>
               </a:ext>
             </a:extLst>
           </a:blip>
@@ -5190,7 +5200,7 @@
           <a:blip r:embed="rId5" cstate="email">
             <a:extLst>
               <a:ext uri="{28A0092B-C50C-407E-A947-70E740481C1C}">
-                <a14:useLocalDpi xmlns:a14="http://schemas.microsoft.com/office/drawing/2010/main"/>
+                <a14:useLocalDpi xmlns:a14="http://schemas.microsoft.com/office/drawing/2010/main" val="0"/>
               </a:ext>
             </a:extLst>
           </a:blip>
@@ -5219,7 +5229,7 @@
           <a:blip r:embed="rId6" cstate="email">
             <a:extLst>
               <a:ext uri="{28A0092B-C50C-407E-A947-70E740481C1C}">
-                <a14:useLocalDpi xmlns:a14="http://schemas.microsoft.com/office/drawing/2010/main"/>
+                <a14:useLocalDpi xmlns:a14="http://schemas.microsoft.com/office/drawing/2010/main" val="0"/>
               </a:ext>
             </a:extLst>
           </a:blip>
@@ -5248,7 +5258,7 @@
           <a:blip r:embed="rId7" cstate="email">
             <a:extLst>
               <a:ext uri="{28A0092B-C50C-407E-A947-70E740481C1C}">
-                <a14:useLocalDpi xmlns:a14="http://schemas.microsoft.com/office/drawing/2010/main"/>
+                <a14:useLocalDpi xmlns:a14="http://schemas.microsoft.com/office/drawing/2010/main" val="0"/>
               </a:ext>
             </a:extLst>
           </a:blip>
@@ -5900,7 +5910,13 @@
       </p:grpSpPr>
       <p:sp>
         <p:nvSpPr>
-          <p:cNvPr id="4" name="Title 3"/>
+          <p:cNvPr id="2" name="Title 1">
+            <a:extLst>
+              <a:ext uri="{FF2B5EF4-FFF2-40B4-BE49-F238E27FC236}">
+                <a16:creationId xmlns:a16="http://schemas.microsoft.com/office/drawing/2014/main" id="{B2BCD316-011A-44A9-8076-91B009B1DD40}"/>
+              </a:ext>
+            </a:extLst>
+          </p:cNvPr>
           <p:cNvSpPr>
             <a:spLocks noGrp="1"/>
           </p:cNvSpPr>
@@ -5908,19 +5924,43 @@
             <p:ph type="ctrTitle"/>
           </p:nvPr>
         </p:nvSpPr>
-        <p:spPr>
-          <a:xfrm>
-            <a:off x="685800" y="2636912"/>
-            <a:ext cx="7772400" cy="1470025"/>
-          </a:xfrm>
-        </p:spPr>
+        <p:spPr/>
         <p:txBody>
           <a:bodyPr/>
           <a:lstStyle/>
           <a:p>
             <a:r>
               <a:rPr lang="en-US" dirty="0"/>
-              <a:t>Computing Power</a:t>
+              <a:t>Course introduction</a:t>
+            </a:r>
+            <a:endParaRPr lang="en-GB" dirty="0"/>
+          </a:p>
+        </p:txBody>
+      </p:sp>
+      <p:sp>
+        <p:nvSpPr>
+          <p:cNvPr id="3" name="Subtitle 2">
+            <a:extLst>
+              <a:ext uri="{FF2B5EF4-FFF2-40B4-BE49-F238E27FC236}">
+                <a16:creationId xmlns:a16="http://schemas.microsoft.com/office/drawing/2014/main" id="{94C52AEB-4D46-4063-8C74-F00DAA48B991}"/>
+              </a:ext>
+            </a:extLst>
+          </p:cNvPr>
+          <p:cNvSpPr>
+            <a:spLocks noGrp="1"/>
+          </p:cNvSpPr>
+          <p:nvPr>
+            <p:ph type="subTitle" idx="1"/>
+          </p:nvPr>
+        </p:nvSpPr>
+        <p:spPr/>
+        <p:txBody>
+          <a:bodyPr/>
+          <a:lstStyle/>
+          <a:p>
+            <a:r>
+              <a:rPr lang="en-US" dirty="0"/>
+              <a:t>September 2017</a:t>
             </a:r>
             <a:endParaRPr lang="en-GB" dirty="0"/>
           </a:p>
@@ -5929,7 +5969,7 @@
     </p:spTree>
     <p:extLst>
       <p:ext uri="{BB962C8B-B14F-4D97-AF65-F5344CB8AC3E}">
-        <p14:creationId xmlns:p14="http://schemas.microsoft.com/office/powerpoint/2010/main" val="546586105"/>
+        <p14:creationId xmlns:p14="http://schemas.microsoft.com/office/powerpoint/2010/main" val="136953748"/>
       </p:ext>
     </p:extLst>
   </p:cSld>
@@ -5956,290 +5996,135 @@
           <a:chExt cx="0" cy="0"/>
         </a:xfrm>
       </p:grpSpPr>
-      <p:pic>
-        <p:nvPicPr>
-          <p:cNvPr id="15" name="Picture 14"/>
-          <p:cNvPicPr>
-            <a:picLocks noChangeAspect="1"/>
-          </p:cNvPicPr>
-          <p:nvPr/>
-        </p:nvPicPr>
-        <p:blipFill>
-          <a:blip r:embed="rId2" cstate="email">
-            <a:extLst>
-              <a:ext uri="{28A0092B-C50C-407E-A947-70E740481C1C}">
-                <a14:useLocalDpi xmlns:a14="http://schemas.microsoft.com/office/drawing/2010/main"/>
-              </a:ext>
-            </a:extLst>
-          </a:blip>
-          <a:stretch>
-            <a:fillRect/>
-          </a:stretch>
-        </p:blipFill>
-        <p:spPr>
-          <a:xfrm>
-            <a:off x="3063431" y="0"/>
-            <a:ext cx="6086477" cy="6858000"/>
-          </a:xfrm>
-          <a:prstGeom prst="rect">
-            <a:avLst/>
-          </a:prstGeom>
-        </p:spPr>
-      </p:pic>
       <p:sp>
         <p:nvSpPr>
-          <p:cNvPr id="16" name="TextBox 15"/>
-          <p:cNvSpPr txBox="1"/>
-          <p:nvPr/>
+          <p:cNvPr id="2" name="Title 1">
+            <a:extLst>
+              <a:ext uri="{FF2B5EF4-FFF2-40B4-BE49-F238E27FC236}">
+                <a16:creationId xmlns:a16="http://schemas.microsoft.com/office/drawing/2014/main" id="{C5F3301E-4DB8-4452-92F8-DCE16539B55D}"/>
+              </a:ext>
+            </a:extLst>
+          </p:cNvPr>
+          <p:cNvSpPr>
+            <a:spLocks noGrp="1"/>
+          </p:cNvSpPr>
+          <p:nvPr>
+            <p:ph type="title"/>
+          </p:nvPr>
         </p:nvSpPr>
-        <p:spPr>
-          <a:xfrm>
-            <a:off x="207525" y="2348880"/>
-            <a:ext cx="2657218" cy="1584176"/>
-          </a:xfrm>
-          <a:prstGeom prst="rect">
-            <a:avLst/>
-          </a:prstGeom>
-        </p:spPr>
+        <p:spPr/>
         <p:txBody>
-          <a:bodyPr vert="horz" lIns="91440" tIns="45720" rIns="91440" bIns="45720" rtlCol="0" anchor="b">
-            <a:normAutofit fontScale="92500" lnSpcReduction="10000"/>
+          <a:bodyPr/>
+          <a:lstStyle/>
+          <a:p>
+            <a:r>
+              <a:rPr lang="en-US" dirty="0"/>
+              <a:t>Aim</a:t>
+            </a:r>
+            <a:endParaRPr lang="en-GB" dirty="0"/>
+          </a:p>
+        </p:txBody>
+      </p:sp>
+      <p:sp>
+        <p:nvSpPr>
+          <p:cNvPr id="3" name="Content Placeholder 2">
+            <a:extLst>
+              <a:ext uri="{FF2B5EF4-FFF2-40B4-BE49-F238E27FC236}">
+                <a16:creationId xmlns:a16="http://schemas.microsoft.com/office/drawing/2014/main" id="{5341894A-C04D-4B4F-A877-DEFC0DE2A21E}"/>
+              </a:ext>
+            </a:extLst>
+          </p:cNvPr>
+          <p:cNvSpPr>
+            <a:spLocks noGrp="1"/>
+          </p:cNvSpPr>
+          <p:nvPr>
+            <p:ph idx="1"/>
+          </p:nvPr>
+        </p:nvSpPr>
+        <p:spPr/>
+        <p:txBody>
+          <a:bodyPr>
+            <a:normAutofit/>
           </a:bodyPr>
           <a:lstStyle/>
           <a:p>
-            <a:pPr algn="ctr">
-              <a:lnSpc>
-                <a:spcPct val="70000"/>
-              </a:lnSpc>
-              <a:spcBef>
-                <a:spcPct val="0"/>
-              </a:spcBef>
-            </a:pPr>
-            <a:r>
-              <a:rPr lang="en-US" sz="2000" dirty="0">
-                <a:latin typeface="+mj-lt"/>
-                <a:ea typeface="+mj-ea"/>
-                <a:cs typeface="+mj-cs"/>
-              </a:rPr>
-              <a:t>Up to 85 Teraflops of computing power</a:t>
-            </a:r>
-          </a:p>
-          <a:p>
-            <a:pPr algn="ctr">
-              <a:lnSpc>
-                <a:spcPct val="70000"/>
-              </a:lnSpc>
-              <a:spcBef>
-                <a:spcPct val="0"/>
-              </a:spcBef>
-            </a:pPr>
-            <a:endParaRPr lang="en-US" sz="2400" dirty="0">
-              <a:latin typeface="+mj-lt"/>
-              <a:ea typeface="+mj-ea"/>
-              <a:cs typeface="+mj-cs"/>
-            </a:endParaRPr>
-          </a:p>
-          <a:p>
-            <a:pPr algn="ctr">
-              <a:lnSpc>
-                <a:spcPct val="70000"/>
-              </a:lnSpc>
-              <a:spcBef>
-                <a:spcPct val="0"/>
-              </a:spcBef>
-            </a:pPr>
-            <a:r>
-              <a:rPr lang="en-US" sz="3600" dirty="0">
-                <a:solidFill>
-                  <a:srgbClr val="C00000"/>
-                </a:solidFill>
-                <a:latin typeface="+mj-lt"/>
-                <a:ea typeface="+mj-ea"/>
-                <a:cs typeface="+mj-cs"/>
-              </a:rPr>
-              <a:t>125 Servers in a box</a:t>
-            </a:r>
-          </a:p>
-          <a:p>
-            <a:pPr algn="ctr">
-              <a:lnSpc>
-                <a:spcPct val="70000"/>
-              </a:lnSpc>
-              <a:spcBef>
-                <a:spcPct val="0"/>
-              </a:spcBef>
-            </a:pPr>
-            <a:endParaRPr lang="en-US" sz="1500" dirty="0">
-              <a:latin typeface="+mj-lt"/>
-              <a:ea typeface="+mj-ea"/>
-              <a:cs typeface="+mj-cs"/>
-            </a:endParaRPr>
-          </a:p>
-          <a:p>
-            <a:pPr algn="ctr">
-              <a:lnSpc>
-                <a:spcPct val="70000"/>
-              </a:lnSpc>
-              <a:spcBef>
-                <a:spcPct val="0"/>
-              </a:spcBef>
-            </a:pPr>
-            <a:r>
-              <a:rPr lang="en-US" sz="1500" dirty="0">
-                <a:solidFill>
-                  <a:schemeClr val="tx1">
-                    <a:lumMod val="65000"/>
-                    <a:lumOff val="35000"/>
-                  </a:schemeClr>
-                </a:solidFill>
-                <a:latin typeface="+mj-lt"/>
-                <a:ea typeface="+mj-ea"/>
-                <a:cs typeface="+mj-cs"/>
-              </a:rPr>
-              <a:t>powered by</a:t>
-            </a:r>
+            <a:r>
+              <a:rPr lang="en-US" dirty="0"/>
+              <a:t>Teach you about deep-learning including:</a:t>
+            </a:r>
+          </a:p>
+          <a:p>
+            <a:pPr lvl="1"/>
+            <a:r>
+              <a:rPr lang="en-US" dirty="0"/>
+              <a:t>Algorithms</a:t>
+            </a:r>
+          </a:p>
+          <a:p>
+            <a:pPr lvl="1"/>
+            <a:r>
+              <a:rPr lang="en-US" dirty="0"/>
+              <a:t>Software libraries</a:t>
+            </a:r>
+          </a:p>
+          <a:p>
+            <a:pPr lvl="1"/>
+            <a:r>
+              <a:rPr lang="en-US" dirty="0"/>
+              <a:t>Tools</a:t>
+            </a:r>
+          </a:p>
+          <a:p>
+            <a:r>
+              <a:rPr lang="en-US" dirty="0"/>
+              <a:t>Applications:</a:t>
+            </a:r>
+          </a:p>
+          <a:p>
+            <a:pPr lvl="1"/>
+            <a:r>
+              <a:rPr lang="en-US" dirty="0"/>
+              <a:t>Classification</a:t>
+            </a:r>
+          </a:p>
+          <a:p>
+            <a:pPr lvl="1"/>
+            <a:r>
+              <a:rPr lang="en-US" dirty="0"/>
+              <a:t>Regression</a:t>
+            </a:r>
+          </a:p>
+          <a:p>
+            <a:pPr lvl="1"/>
+            <a:r>
+              <a:rPr lang="en-US" dirty="0"/>
+              <a:t>Binary Segmentation</a:t>
+            </a:r>
+          </a:p>
+          <a:p>
+            <a:pPr lvl="1"/>
+            <a:r>
+              <a:rPr lang="en-US" dirty="0"/>
+              <a:t>Semantic Segmentation</a:t>
+            </a:r>
+          </a:p>
+          <a:p>
+            <a:pPr lvl="1"/>
+            <a:r>
+              <a:rPr lang="en-US" dirty="0"/>
+              <a:t>Object detection</a:t>
+            </a:r>
+          </a:p>
+          <a:p>
+            <a:pPr lvl="1"/>
+            <a:endParaRPr lang="en-US" dirty="0"/>
           </a:p>
         </p:txBody>
       </p:sp>
-      <p:pic>
-        <p:nvPicPr>
-          <p:cNvPr id="1034" name="Picture 10" descr="http://vignette1.wikia.nocookie.net/logopedia/images/3/38/Nvidia_logo.png/revision/latest?cb=20120829072950"/>
-          <p:cNvPicPr>
-            <a:picLocks noChangeAspect="1" noChangeArrowheads="1"/>
-          </p:cNvPicPr>
-          <p:nvPr/>
-        </p:nvPicPr>
-        <p:blipFill>
-          <a:blip r:embed="rId3" cstate="email">
-            <a:extLst>
-              <a:ext uri="{28A0092B-C50C-407E-A947-70E740481C1C}">
-                <a14:useLocalDpi xmlns:a14="http://schemas.microsoft.com/office/drawing/2010/main"/>
-              </a:ext>
-            </a:extLst>
-          </a:blip>
-          <a:srcRect/>
-          <a:stretch>
-            <a:fillRect/>
-          </a:stretch>
-        </p:blipFill>
-        <p:spPr bwMode="auto">
-          <a:xfrm>
-            <a:off x="958130" y="3933056"/>
-            <a:ext cx="1156008" cy="853158"/>
-          </a:xfrm>
-          <a:prstGeom prst="rect">
-            <a:avLst/>
-          </a:prstGeom>
-          <a:noFill/>
-          <a:extLst>
-            <a:ext uri="{909E8E84-426E-40DD-AFC4-6F175D3DCCD1}">
-              <a14:hiddenFill xmlns:a14="http://schemas.microsoft.com/office/drawing/2010/main">
-                <a:solidFill>
-                  <a:srgbClr val="FFFFFF"/>
-                </a:solidFill>
-              </a14:hiddenFill>
-            </a:ext>
-          </a:extLst>
-        </p:spPr>
-      </p:pic>
-      <p:pic>
-        <p:nvPicPr>
-          <p:cNvPr id="5124" name="Picture 4" descr="Image result for google cloud platform">
-            <a:extLst>
-              <a:ext uri="{FF2B5EF4-FFF2-40B4-BE49-F238E27FC236}">
-                <a16:creationId xmlns:a16="http://schemas.microsoft.com/office/drawing/2014/main" id="{B5C7AD0F-C06B-4119-8782-0E758A70C03A}"/>
-              </a:ext>
-            </a:extLst>
-          </p:cNvPr>
-          <p:cNvPicPr>
-            <a:picLocks noChangeAspect="1" noChangeArrowheads="1"/>
-          </p:cNvPicPr>
-          <p:nvPr/>
-        </p:nvPicPr>
-        <p:blipFill>
-          <a:blip r:embed="rId4">
-            <a:extLst>
-              <a:ext uri="{28A0092B-C50C-407E-A947-70E740481C1C}">
-                <a14:useLocalDpi xmlns:a14="http://schemas.microsoft.com/office/drawing/2010/main" val="0"/>
-              </a:ext>
-            </a:extLst>
-          </a:blip>
-          <a:srcRect/>
-          <a:stretch>
-            <a:fillRect/>
-          </a:stretch>
-        </p:blipFill>
-        <p:spPr bwMode="auto">
-          <a:xfrm>
-            <a:off x="371262" y="4820353"/>
-            <a:ext cx="2692169" cy="696879"/>
-          </a:xfrm>
-          <a:prstGeom prst="rect">
-            <a:avLst/>
-          </a:prstGeom>
-          <a:noFill/>
-          <a:extLst>
-            <a:ext uri="{909E8E84-426E-40DD-AFC4-6F175D3DCCD1}">
-              <a14:hiddenFill xmlns:a14="http://schemas.microsoft.com/office/drawing/2010/main">
-                <a:solidFill>
-                  <a:srgbClr val="FFFFFF"/>
-                </a:solidFill>
-              </a14:hiddenFill>
-            </a:ext>
-          </a:extLst>
-        </p:spPr>
-      </p:pic>
-      <p:pic>
-        <p:nvPicPr>
-          <p:cNvPr id="5126" name="Picture 6" descr="Pompebled_neurons.png">
-            <a:extLst>
-              <a:ext uri="{FF2B5EF4-FFF2-40B4-BE49-F238E27FC236}">
-                <a16:creationId xmlns:a16="http://schemas.microsoft.com/office/drawing/2014/main" id="{9CC9BC46-5273-4240-8704-3E0C898FC489}"/>
-              </a:ext>
-            </a:extLst>
-          </p:cNvPr>
-          <p:cNvPicPr>
-            <a:picLocks noChangeAspect="1" noChangeArrowheads="1"/>
-          </p:cNvPicPr>
-          <p:nvPr/>
-        </p:nvPicPr>
-        <p:blipFill>
-          <a:blip r:embed="rId5">
-            <a:extLst>
-              <a:ext uri="{28A0092B-C50C-407E-A947-70E740481C1C}">
-                <a14:useLocalDpi xmlns:a14="http://schemas.microsoft.com/office/drawing/2010/main" val="0"/>
-              </a:ext>
-            </a:extLst>
-          </a:blip>
-          <a:srcRect/>
-          <a:stretch>
-            <a:fillRect/>
-          </a:stretch>
-        </p:blipFill>
-        <p:spPr bwMode="auto">
-          <a:xfrm>
-            <a:off x="706219" y="476672"/>
-            <a:ext cx="1659830" cy="1700413"/>
-          </a:xfrm>
-          <a:prstGeom prst="rect">
-            <a:avLst/>
-          </a:prstGeom>
-          <a:noFill/>
-          <a:extLst>
-            <a:ext uri="{909E8E84-426E-40DD-AFC4-6F175D3DCCD1}">
-              <a14:hiddenFill xmlns:a14="http://schemas.microsoft.com/office/drawing/2010/main">
-                <a:solidFill>
-                  <a:srgbClr val="FFFFFF"/>
-                </a:solidFill>
-              </a14:hiddenFill>
-            </a:ext>
-          </a:extLst>
-        </p:spPr>
-      </p:pic>
     </p:spTree>
     <p:extLst>
       <p:ext uri="{BB962C8B-B14F-4D97-AF65-F5344CB8AC3E}">
-        <p14:creationId xmlns:p14="http://schemas.microsoft.com/office/powerpoint/2010/main" val="1685108516"/>
+        <p14:creationId xmlns:p14="http://schemas.microsoft.com/office/powerpoint/2010/main" val="1574476063"/>
       </p:ext>
     </p:extLst>
   </p:cSld>
@@ -6266,12 +6151,79 @@
           <a:chExt cx="0" cy="0"/>
         </a:xfrm>
       </p:grpSpPr>
+      <p:sp>
+        <p:nvSpPr>
+          <p:cNvPr id="2" name="Title 1">
+            <a:extLst>
+              <a:ext uri="{FF2B5EF4-FFF2-40B4-BE49-F238E27FC236}">
+                <a16:creationId xmlns:a16="http://schemas.microsoft.com/office/drawing/2014/main" id="{7139E99A-1BC5-4812-8BA9-EA29CBD58018}"/>
+              </a:ext>
+            </a:extLst>
+          </p:cNvPr>
+          <p:cNvSpPr>
+            <a:spLocks noGrp="1"/>
+          </p:cNvSpPr>
+          <p:nvPr>
+            <p:ph type="title"/>
+          </p:nvPr>
+        </p:nvSpPr>
+        <p:spPr/>
+        <p:txBody>
+          <a:bodyPr/>
+          <a:lstStyle/>
+          <a:p>
+            <a:r>
+              <a:rPr lang="en-US" dirty="0"/>
+              <a:t>Examples</a:t>
+            </a:r>
+            <a:endParaRPr lang="en-GB" dirty="0"/>
+          </a:p>
+        </p:txBody>
+      </p:sp>
       <p:pic>
         <p:nvPicPr>
-          <p:cNvPr id="2" name="Picture 1">
+          <p:cNvPr id="4" name="Content Placeholder 3">
             <a:extLst>
               <a:ext uri="{FF2B5EF4-FFF2-40B4-BE49-F238E27FC236}">
-                <a16:creationId xmlns:a16="http://schemas.microsoft.com/office/drawing/2014/main" id="{83C98BEC-848A-4096-8235-0707981BE382}"/>
+                <a16:creationId xmlns:a16="http://schemas.microsoft.com/office/drawing/2014/main" id="{3AEF39AB-E05E-4406-8D0E-5F9BDC08D0E0}"/>
+              </a:ext>
+            </a:extLst>
+          </p:cNvPr>
+          <p:cNvPicPr>
+            <a:picLocks noGrp="1" noChangeAspect="1"/>
+          </p:cNvPicPr>
+          <p:nvPr>
+            <p:ph idx="1"/>
+          </p:nvPr>
+        </p:nvPicPr>
+        <p:blipFill>
+          <a:blip r:embed="rId2">
+            <a:extLst>
+              <a:ext uri="{28A0092B-C50C-407E-A947-70E740481C1C}">
+                <a14:useLocalDpi xmlns:a14="http://schemas.microsoft.com/office/drawing/2010/main" val="0"/>
+              </a:ext>
+            </a:extLst>
+          </a:blip>
+          <a:stretch>
+            <a:fillRect/>
+          </a:stretch>
+        </p:blipFill>
+        <p:spPr>
+          <a:xfrm>
+            <a:off x="35496" y="1052736"/>
+            <a:ext cx="2203371" cy="4525963"/>
+          </a:xfrm>
+          <a:prstGeom prst="rect">
+            <a:avLst/>
+          </a:prstGeom>
+        </p:spPr>
+      </p:pic>
+      <p:pic>
+        <p:nvPicPr>
+          <p:cNvPr id="5" name="Picture 4">
+            <a:extLst>
+              <a:ext uri="{FF2B5EF4-FFF2-40B4-BE49-F238E27FC236}">
+                <a16:creationId xmlns:a16="http://schemas.microsoft.com/office/drawing/2014/main" id="{43CA7D0E-D4BA-425E-839F-95984BF56D20}"/>
               </a:ext>
             </a:extLst>
           </p:cNvPr>
@@ -6281,15 +6233,102 @@
           <p:nvPr/>
         </p:nvPicPr>
         <p:blipFill>
-          <a:blip r:embed="rId2"/>
+          <a:blip r:embed="rId3">
+            <a:extLst>
+              <a:ext uri="{28A0092B-C50C-407E-A947-70E740481C1C}">
+                <a14:useLocalDpi xmlns:a14="http://schemas.microsoft.com/office/drawing/2010/main" val="0"/>
+              </a:ext>
+            </a:extLst>
+          </a:blip>
           <a:stretch>
             <a:fillRect/>
           </a:stretch>
         </p:blipFill>
         <p:spPr>
           <a:xfrm>
-            <a:off x="1691680" y="332656"/>
-            <a:ext cx="5781675" cy="4686300"/>
+            <a:off x="5081313" y="1268760"/>
+            <a:ext cx="4062687" cy="2036460"/>
+          </a:xfrm>
+          <a:prstGeom prst="rect">
+            <a:avLst/>
+          </a:prstGeom>
+        </p:spPr>
+      </p:pic>
+      <p:pic>
+        <p:nvPicPr>
+          <p:cNvPr id="1026" name="Picture 2" descr="https://raw.githubusercontent.com/NVIDIA/DIGITS/master/examples/object-detection/test-one.jpg">
+            <a:extLst>
+              <a:ext uri="{FF2B5EF4-FFF2-40B4-BE49-F238E27FC236}">
+                <a16:creationId xmlns:a16="http://schemas.microsoft.com/office/drawing/2014/main" id="{04025425-AF58-4838-AD18-B105396629E1}"/>
+              </a:ext>
+            </a:extLst>
+          </p:cNvPr>
+          <p:cNvPicPr>
+            <a:picLocks noChangeAspect="1" noChangeArrowheads="1"/>
+          </p:cNvPicPr>
+          <p:nvPr/>
+        </p:nvPicPr>
+        <p:blipFill rotWithShape="1">
+          <a:blip r:embed="rId4" cstate="print">
+            <a:extLst>
+              <a:ext uri="{28A0092B-C50C-407E-A947-70E740481C1C}">
+                <a14:useLocalDpi xmlns:a14="http://schemas.microsoft.com/office/drawing/2010/main" val="0"/>
+              </a:ext>
+            </a:extLst>
+          </a:blip>
+          <a:srcRect/>
+          <a:stretch/>
+        </p:blipFill>
+        <p:spPr bwMode="auto">
+          <a:xfrm>
+            <a:off x="5004048" y="3429779"/>
+            <a:ext cx="4104456" cy="1693840"/>
+          </a:xfrm>
+          <a:prstGeom prst="rect">
+            <a:avLst/>
+          </a:prstGeom>
+          <a:noFill/>
+          <a:extLst>
+            <a:ext uri="{909E8E84-426E-40DD-AFC4-6F175D3DCCD1}">
+              <a14:hiddenFill xmlns:a14="http://schemas.microsoft.com/office/drawing/2010/main">
+                <a:solidFill>
+                  <a:srgbClr val="FFFFFF"/>
+                </a:solidFill>
+              </a14:hiddenFill>
+            </a:ext>
+          </a:extLst>
+        </p:spPr>
+      </p:pic>
+      <p:pic>
+        <p:nvPicPr>
+          <p:cNvPr id="6" name="Picture 5">
+            <a:extLst>
+              <a:ext uri="{FF2B5EF4-FFF2-40B4-BE49-F238E27FC236}">
+                <a16:creationId xmlns:a16="http://schemas.microsoft.com/office/drawing/2014/main" id="{DCC0B312-2473-44E6-88E7-3E5D35F8B577}"/>
+              </a:ext>
+            </a:extLst>
+          </p:cNvPr>
+          <p:cNvPicPr>
+            <a:picLocks noChangeAspect="1"/>
+          </p:cNvPicPr>
+          <p:nvPr/>
+        </p:nvPicPr>
+        <p:blipFill>
+          <a:blip r:embed="rId5" cstate="print">
+            <a:extLst>
+              <a:ext uri="{28A0092B-C50C-407E-A947-70E740481C1C}">
+                <a14:useLocalDpi xmlns:a14="http://schemas.microsoft.com/office/drawing/2010/main" val="0"/>
+              </a:ext>
+            </a:extLst>
+          </a:blip>
+          <a:stretch>
+            <a:fillRect/>
+          </a:stretch>
+        </p:blipFill>
+        <p:spPr>
+          <a:xfrm>
+            <a:off x="2238867" y="1307195"/>
+            <a:ext cx="2579178" cy="3816424"/>
           </a:xfrm>
           <a:prstGeom prst="rect">
             <a:avLst/>
@@ -6299,7 +6338,7 @@
     </p:spTree>
     <p:extLst>
       <p:ext uri="{BB962C8B-B14F-4D97-AF65-F5344CB8AC3E}">
-        <p14:creationId xmlns:p14="http://schemas.microsoft.com/office/powerpoint/2010/main" val="692721141"/>
+        <p14:creationId xmlns:p14="http://schemas.microsoft.com/office/powerpoint/2010/main" val="2193341063"/>
       </p:ext>
     </p:extLst>
   </p:cSld>
@@ -6482,10 +6521,860 @@
       </p:grpSpPr>
       <p:sp>
         <p:nvSpPr>
+          <p:cNvPr id="4" name="Title 3"/>
+          <p:cNvSpPr>
+            <a:spLocks noGrp="1"/>
+          </p:cNvSpPr>
+          <p:nvPr>
+            <p:ph type="ctrTitle"/>
+          </p:nvPr>
+        </p:nvSpPr>
+        <p:spPr>
+          <a:xfrm>
+            <a:off x="685800" y="2636912"/>
+            <a:ext cx="7772400" cy="1470025"/>
+          </a:xfrm>
+        </p:spPr>
+        <p:txBody>
+          <a:bodyPr/>
+          <a:lstStyle/>
+          <a:p>
+            <a:r>
+              <a:rPr lang="en-US" dirty="0"/>
+              <a:t>Computing Power</a:t>
+            </a:r>
+            <a:endParaRPr lang="en-GB" dirty="0"/>
+          </a:p>
+        </p:txBody>
+      </p:sp>
+    </p:spTree>
+    <p:extLst>
+      <p:ext uri="{BB962C8B-B14F-4D97-AF65-F5344CB8AC3E}">
+        <p14:creationId xmlns:p14="http://schemas.microsoft.com/office/powerpoint/2010/main" val="3114512826"/>
+      </p:ext>
+    </p:extLst>
+  </p:cSld>
+  <p:clrMapOvr>
+    <a:masterClrMapping/>
+  </p:clrMapOvr>
+</p:sld>
+</file>
+
+<file path=ppt/slides/slide21.xml><?xml version="1.0" encoding="utf-8"?>
+<p:sld xmlns:a="http://schemas.openxmlformats.org/drawingml/2006/main" xmlns:r="http://schemas.openxmlformats.org/officeDocument/2006/relationships" xmlns:p="http://schemas.openxmlformats.org/presentationml/2006/main">
+  <p:cSld>
+    <p:spTree>
+      <p:nvGrpSpPr>
+        <p:cNvPr id="1" name=""/>
+        <p:cNvGrpSpPr/>
+        <p:nvPr/>
+      </p:nvGrpSpPr>
+      <p:grpSpPr>
+        <a:xfrm>
+          <a:off x="0" y="0"/>
+          <a:ext cx="0" cy="0"/>
+          <a:chOff x="0" y="0"/>
+          <a:chExt cx="0" cy="0"/>
+        </a:xfrm>
+      </p:grpSpPr>
+      <p:pic>
+        <p:nvPicPr>
+          <p:cNvPr id="15" name="Picture 14"/>
+          <p:cNvPicPr>
+            <a:picLocks noChangeAspect="1"/>
+          </p:cNvPicPr>
+          <p:nvPr/>
+        </p:nvPicPr>
+        <p:blipFill>
+          <a:blip r:embed="rId2" cstate="email">
+            <a:extLst>
+              <a:ext uri="{28A0092B-C50C-407E-A947-70E740481C1C}">
+                <a14:useLocalDpi xmlns:a14="http://schemas.microsoft.com/office/drawing/2010/main" val="0"/>
+              </a:ext>
+            </a:extLst>
+          </a:blip>
+          <a:stretch>
+            <a:fillRect/>
+          </a:stretch>
+        </p:blipFill>
+        <p:spPr>
+          <a:xfrm>
+            <a:off x="3063431" y="0"/>
+            <a:ext cx="6086477" cy="6858000"/>
+          </a:xfrm>
+          <a:prstGeom prst="rect">
+            <a:avLst/>
+          </a:prstGeom>
+        </p:spPr>
+      </p:pic>
+      <p:sp>
+        <p:nvSpPr>
+          <p:cNvPr id="16" name="TextBox 15"/>
+          <p:cNvSpPr txBox="1"/>
+          <p:nvPr/>
+        </p:nvSpPr>
+        <p:spPr>
+          <a:xfrm>
+            <a:off x="207525" y="2348880"/>
+            <a:ext cx="2657218" cy="1584176"/>
+          </a:xfrm>
+          <a:prstGeom prst="rect">
+            <a:avLst/>
+          </a:prstGeom>
+        </p:spPr>
+        <p:txBody>
+          <a:bodyPr vert="horz" lIns="91440" tIns="45720" rIns="91440" bIns="45720" rtlCol="0" anchor="b">
+            <a:normAutofit fontScale="92500" lnSpcReduction="10000"/>
+          </a:bodyPr>
+          <a:lstStyle/>
+          <a:p>
+            <a:pPr algn="ctr">
+              <a:lnSpc>
+                <a:spcPct val="70000"/>
+              </a:lnSpc>
+              <a:spcBef>
+                <a:spcPct val="0"/>
+              </a:spcBef>
+            </a:pPr>
+            <a:r>
+              <a:rPr lang="en-US" sz="2000" dirty="0">
+                <a:latin typeface="+mj-lt"/>
+                <a:ea typeface="+mj-ea"/>
+                <a:cs typeface="+mj-cs"/>
+              </a:rPr>
+              <a:t>Up to 85 Teraflops of computing power</a:t>
+            </a:r>
+          </a:p>
+          <a:p>
+            <a:pPr algn="ctr">
+              <a:lnSpc>
+                <a:spcPct val="70000"/>
+              </a:lnSpc>
+              <a:spcBef>
+                <a:spcPct val="0"/>
+              </a:spcBef>
+            </a:pPr>
+            <a:endParaRPr lang="en-US" sz="2400" dirty="0">
+              <a:latin typeface="+mj-lt"/>
+              <a:ea typeface="+mj-ea"/>
+              <a:cs typeface="+mj-cs"/>
+            </a:endParaRPr>
+          </a:p>
+          <a:p>
+            <a:pPr algn="ctr">
+              <a:lnSpc>
+                <a:spcPct val="70000"/>
+              </a:lnSpc>
+              <a:spcBef>
+                <a:spcPct val="0"/>
+              </a:spcBef>
+            </a:pPr>
+            <a:r>
+              <a:rPr lang="en-US" sz="3600" dirty="0">
+                <a:solidFill>
+                  <a:srgbClr val="C00000"/>
+                </a:solidFill>
+                <a:latin typeface="+mj-lt"/>
+                <a:ea typeface="+mj-ea"/>
+                <a:cs typeface="+mj-cs"/>
+              </a:rPr>
+              <a:t>125 Servers in a box</a:t>
+            </a:r>
+          </a:p>
+          <a:p>
+            <a:pPr algn="ctr">
+              <a:lnSpc>
+                <a:spcPct val="70000"/>
+              </a:lnSpc>
+              <a:spcBef>
+                <a:spcPct val="0"/>
+              </a:spcBef>
+            </a:pPr>
+            <a:endParaRPr lang="en-US" sz="1500" dirty="0">
+              <a:latin typeface="+mj-lt"/>
+              <a:ea typeface="+mj-ea"/>
+              <a:cs typeface="+mj-cs"/>
+            </a:endParaRPr>
+          </a:p>
+          <a:p>
+            <a:pPr algn="ctr">
+              <a:lnSpc>
+                <a:spcPct val="70000"/>
+              </a:lnSpc>
+              <a:spcBef>
+                <a:spcPct val="0"/>
+              </a:spcBef>
+            </a:pPr>
+            <a:r>
+              <a:rPr lang="en-US" sz="1500" dirty="0">
+                <a:solidFill>
+                  <a:schemeClr val="tx1">
+                    <a:lumMod val="65000"/>
+                    <a:lumOff val="35000"/>
+                  </a:schemeClr>
+                </a:solidFill>
+                <a:latin typeface="+mj-lt"/>
+                <a:ea typeface="+mj-ea"/>
+                <a:cs typeface="+mj-cs"/>
+              </a:rPr>
+              <a:t>powered by</a:t>
+            </a:r>
+          </a:p>
+        </p:txBody>
+      </p:sp>
+      <p:pic>
+        <p:nvPicPr>
+          <p:cNvPr id="1034" name="Picture 10" descr="http://vignette1.wikia.nocookie.net/logopedia/images/3/38/Nvidia_logo.png/revision/latest?cb=20120829072950"/>
+          <p:cNvPicPr>
+            <a:picLocks noChangeAspect="1" noChangeArrowheads="1"/>
+          </p:cNvPicPr>
+          <p:nvPr/>
+        </p:nvPicPr>
+        <p:blipFill>
+          <a:blip r:embed="rId3" cstate="email">
+            <a:extLst>
+              <a:ext uri="{28A0092B-C50C-407E-A947-70E740481C1C}">
+                <a14:useLocalDpi xmlns:a14="http://schemas.microsoft.com/office/drawing/2010/main" val="0"/>
+              </a:ext>
+            </a:extLst>
+          </a:blip>
+          <a:srcRect/>
+          <a:stretch>
+            <a:fillRect/>
+          </a:stretch>
+        </p:blipFill>
+        <p:spPr bwMode="auto">
+          <a:xfrm>
+            <a:off x="958130" y="3933056"/>
+            <a:ext cx="1156008" cy="853158"/>
+          </a:xfrm>
+          <a:prstGeom prst="rect">
+            <a:avLst/>
+          </a:prstGeom>
+          <a:noFill/>
+          <a:extLst>
+            <a:ext uri="{909E8E84-426E-40DD-AFC4-6F175D3DCCD1}">
+              <a14:hiddenFill xmlns:a14="http://schemas.microsoft.com/office/drawing/2010/main">
+                <a:solidFill>
+                  <a:srgbClr val="FFFFFF"/>
+                </a:solidFill>
+              </a14:hiddenFill>
+            </a:ext>
+          </a:extLst>
+        </p:spPr>
+      </p:pic>
+      <p:pic>
+        <p:nvPicPr>
+          <p:cNvPr id="5124" name="Picture 4" descr="Image result for google cloud platform">
+            <a:extLst>
+              <a:ext uri="{FF2B5EF4-FFF2-40B4-BE49-F238E27FC236}">
+                <a16:creationId xmlns:a16="http://schemas.microsoft.com/office/drawing/2014/main" id="{B5C7AD0F-C06B-4119-8782-0E758A70C03A}"/>
+              </a:ext>
+            </a:extLst>
+          </p:cNvPr>
+          <p:cNvPicPr>
+            <a:picLocks noChangeAspect="1" noChangeArrowheads="1"/>
+          </p:cNvPicPr>
+          <p:nvPr/>
+        </p:nvPicPr>
+        <p:blipFill>
+          <a:blip r:embed="rId4" cstate="print">
+            <a:extLst>
+              <a:ext uri="{28A0092B-C50C-407E-A947-70E740481C1C}">
+                <a14:useLocalDpi xmlns:a14="http://schemas.microsoft.com/office/drawing/2010/main" val="0"/>
+              </a:ext>
+            </a:extLst>
+          </a:blip>
+          <a:srcRect/>
+          <a:stretch>
+            <a:fillRect/>
+          </a:stretch>
+        </p:blipFill>
+        <p:spPr bwMode="auto">
+          <a:xfrm>
+            <a:off x="371262" y="4820353"/>
+            <a:ext cx="2692169" cy="696879"/>
+          </a:xfrm>
+          <a:prstGeom prst="rect">
+            <a:avLst/>
+          </a:prstGeom>
+          <a:noFill/>
+          <a:extLst>
+            <a:ext uri="{909E8E84-426E-40DD-AFC4-6F175D3DCCD1}">
+              <a14:hiddenFill xmlns:a14="http://schemas.microsoft.com/office/drawing/2010/main">
+                <a:solidFill>
+                  <a:srgbClr val="FFFFFF"/>
+                </a:solidFill>
+              </a14:hiddenFill>
+            </a:ext>
+          </a:extLst>
+        </p:spPr>
+      </p:pic>
+      <p:pic>
+        <p:nvPicPr>
+          <p:cNvPr id="5126" name="Picture 6" descr="Pompebled_neurons.png">
+            <a:extLst>
+              <a:ext uri="{FF2B5EF4-FFF2-40B4-BE49-F238E27FC236}">
+                <a16:creationId xmlns:a16="http://schemas.microsoft.com/office/drawing/2014/main" id="{9CC9BC46-5273-4240-8704-3E0C898FC489}"/>
+              </a:ext>
+            </a:extLst>
+          </p:cNvPr>
+          <p:cNvPicPr>
+            <a:picLocks noChangeAspect="1" noChangeArrowheads="1"/>
+          </p:cNvPicPr>
+          <p:nvPr/>
+        </p:nvPicPr>
+        <p:blipFill>
+          <a:blip r:embed="rId5" cstate="print">
+            <a:extLst>
+              <a:ext uri="{28A0092B-C50C-407E-A947-70E740481C1C}">
+                <a14:useLocalDpi xmlns:a14="http://schemas.microsoft.com/office/drawing/2010/main" val="0"/>
+              </a:ext>
+            </a:extLst>
+          </a:blip>
+          <a:srcRect/>
+          <a:stretch>
+            <a:fillRect/>
+          </a:stretch>
+        </p:blipFill>
+        <p:spPr bwMode="auto">
+          <a:xfrm>
+            <a:off x="706219" y="476672"/>
+            <a:ext cx="1659830" cy="1700413"/>
+          </a:xfrm>
+          <a:prstGeom prst="rect">
+            <a:avLst/>
+          </a:prstGeom>
+          <a:noFill/>
+          <a:extLst>
+            <a:ext uri="{909E8E84-426E-40DD-AFC4-6F175D3DCCD1}">
+              <a14:hiddenFill xmlns:a14="http://schemas.microsoft.com/office/drawing/2010/main">
+                <a:solidFill>
+                  <a:srgbClr val="FFFFFF"/>
+                </a:solidFill>
+              </a14:hiddenFill>
+            </a:ext>
+          </a:extLst>
+        </p:spPr>
+      </p:pic>
+    </p:spTree>
+    <p:extLst>
+      <p:ext uri="{BB962C8B-B14F-4D97-AF65-F5344CB8AC3E}">
+        <p14:creationId xmlns:p14="http://schemas.microsoft.com/office/powerpoint/2010/main" val="3530398915"/>
+      </p:ext>
+    </p:extLst>
+  </p:cSld>
+  <p:clrMapOvr>
+    <a:masterClrMapping/>
+  </p:clrMapOvr>
+</p:sld>
+</file>
+
+<file path=ppt/slides/slide22.xml><?xml version="1.0" encoding="utf-8"?>
+<p:sld xmlns:a="http://schemas.openxmlformats.org/drawingml/2006/main" xmlns:r="http://schemas.openxmlformats.org/officeDocument/2006/relationships" xmlns:p="http://schemas.openxmlformats.org/presentationml/2006/main">
+  <p:cSld>
+    <p:spTree>
+      <p:nvGrpSpPr>
+        <p:cNvPr id="1" name=""/>
+        <p:cNvGrpSpPr/>
+        <p:nvPr/>
+      </p:nvGrpSpPr>
+      <p:grpSpPr>
+        <a:xfrm>
+          <a:off x="0" y="0"/>
+          <a:ext cx="0" cy="0"/>
+          <a:chOff x="0" y="0"/>
+          <a:chExt cx="0" cy="0"/>
+        </a:xfrm>
+      </p:grpSpPr>
+      <p:sp>
+        <p:nvSpPr>
           <p:cNvPr id="2" name="Title 1">
             <a:extLst>
               <a:ext uri="{FF2B5EF4-FFF2-40B4-BE49-F238E27FC236}">
-                <a16:creationId xmlns:a16="http://schemas.microsoft.com/office/drawing/2014/main" id="{B2BCD316-011A-44A9-8076-91B009B1DD40}"/>
+                <a16:creationId xmlns:a16="http://schemas.microsoft.com/office/drawing/2014/main" id="{40673178-F19A-4FC6-8C5C-7F44B095033C}"/>
+              </a:ext>
+            </a:extLst>
+          </p:cNvPr>
+          <p:cNvSpPr>
+            <a:spLocks noGrp="1"/>
+          </p:cNvSpPr>
+          <p:nvPr>
+            <p:ph type="title"/>
+          </p:nvPr>
+        </p:nvSpPr>
+        <p:spPr/>
+        <p:txBody>
+          <a:bodyPr/>
+          <a:lstStyle/>
+          <a:p>
+            <a:r>
+              <a:rPr lang="en-US" dirty="0"/>
+              <a:t>Theory &amp; Labs</a:t>
+            </a:r>
+            <a:endParaRPr lang="en-GB" dirty="0"/>
+          </a:p>
+        </p:txBody>
+      </p:sp>
+      <p:pic>
+        <p:nvPicPr>
+          <p:cNvPr id="2052" name="Picture 4" descr="Image result for udacity logo">
+            <a:extLst>
+              <a:ext uri="{FF2B5EF4-FFF2-40B4-BE49-F238E27FC236}">
+                <a16:creationId xmlns:a16="http://schemas.microsoft.com/office/drawing/2014/main" id="{31874B8F-B59C-4B1C-A3FE-580BC07C4997}"/>
+              </a:ext>
+            </a:extLst>
+          </p:cNvPr>
+          <p:cNvPicPr>
+            <a:picLocks noChangeAspect="1" noChangeArrowheads="1"/>
+          </p:cNvPicPr>
+          <p:nvPr/>
+        </p:nvPicPr>
+        <p:blipFill>
+          <a:blip r:embed="rId2" cstate="print">
+            <a:extLst>
+              <a:ext uri="{28A0092B-C50C-407E-A947-70E740481C1C}">
+                <a14:useLocalDpi xmlns:a14="http://schemas.microsoft.com/office/drawing/2010/main" val="0"/>
+              </a:ext>
+            </a:extLst>
+          </a:blip>
+          <a:srcRect/>
+          <a:stretch>
+            <a:fillRect/>
+          </a:stretch>
+        </p:blipFill>
+        <p:spPr bwMode="auto">
+          <a:xfrm>
+            <a:off x="611560" y="1340768"/>
+            <a:ext cx="3131840" cy="598094"/>
+          </a:xfrm>
+          <a:prstGeom prst="rect">
+            <a:avLst/>
+          </a:prstGeom>
+          <a:noFill/>
+          <a:extLst>
+            <a:ext uri="{909E8E84-426E-40DD-AFC4-6F175D3DCCD1}">
+              <a14:hiddenFill xmlns:a14="http://schemas.microsoft.com/office/drawing/2010/main">
+                <a:solidFill>
+                  <a:srgbClr val="FFFFFF"/>
+                </a:solidFill>
+              </a14:hiddenFill>
+            </a:ext>
+          </a:extLst>
+        </p:spPr>
+      </p:pic>
+      <p:pic>
+        <p:nvPicPr>
+          <p:cNvPr id="2054" name="Picture 6" descr="Related image">
+            <a:extLst>
+              <a:ext uri="{FF2B5EF4-FFF2-40B4-BE49-F238E27FC236}">
+                <a16:creationId xmlns:a16="http://schemas.microsoft.com/office/drawing/2014/main" id="{500E9A89-6BD0-4C48-ADA8-F4E8E18EEF4B}"/>
+              </a:ext>
+            </a:extLst>
+          </p:cNvPr>
+          <p:cNvPicPr>
+            <a:picLocks noChangeAspect="1" noChangeArrowheads="1"/>
+          </p:cNvPicPr>
+          <p:nvPr/>
+        </p:nvPicPr>
+        <p:blipFill>
+          <a:blip r:embed="rId3">
+            <a:extLst>
+              <a:ext uri="{28A0092B-C50C-407E-A947-70E740481C1C}">
+                <a14:useLocalDpi xmlns:a14="http://schemas.microsoft.com/office/drawing/2010/main" val="0"/>
+              </a:ext>
+            </a:extLst>
+          </a:blip>
+          <a:srcRect/>
+          <a:stretch>
+            <a:fillRect/>
+          </a:stretch>
+        </p:blipFill>
+        <p:spPr bwMode="auto">
+          <a:xfrm>
+            <a:off x="4791640" y="1052736"/>
+            <a:ext cx="2843783" cy="1343712"/>
+          </a:xfrm>
+          <a:prstGeom prst="rect">
+            <a:avLst/>
+          </a:prstGeom>
+          <a:noFill/>
+          <a:extLst>
+            <a:ext uri="{909E8E84-426E-40DD-AFC4-6F175D3DCCD1}">
+              <a14:hiddenFill xmlns:a14="http://schemas.microsoft.com/office/drawing/2010/main">
+                <a:solidFill>
+                  <a:srgbClr val="FFFFFF"/>
+                </a:solidFill>
+              </a14:hiddenFill>
+            </a:ext>
+          </a:extLst>
+        </p:spPr>
+      </p:pic>
+      <p:pic>
+        <p:nvPicPr>
+          <p:cNvPr id="2056" name="Picture 8" descr="Image result for keras">
+            <a:extLst>
+              <a:ext uri="{FF2B5EF4-FFF2-40B4-BE49-F238E27FC236}">
+                <a16:creationId xmlns:a16="http://schemas.microsoft.com/office/drawing/2014/main" id="{96482999-71EA-45C5-A178-17C99F6F6020}"/>
+              </a:ext>
+            </a:extLst>
+          </p:cNvPr>
+          <p:cNvPicPr>
+            <a:picLocks noChangeAspect="1" noChangeArrowheads="1"/>
+          </p:cNvPicPr>
+          <p:nvPr/>
+        </p:nvPicPr>
+        <p:blipFill>
+          <a:blip r:embed="rId4">
+            <a:extLst>
+              <a:ext uri="{28A0092B-C50C-407E-A947-70E740481C1C}">
+                <a14:useLocalDpi xmlns:a14="http://schemas.microsoft.com/office/drawing/2010/main" val="0"/>
+              </a:ext>
+            </a:extLst>
+          </a:blip>
+          <a:srcRect/>
+          <a:stretch>
+            <a:fillRect/>
+          </a:stretch>
+        </p:blipFill>
+        <p:spPr bwMode="auto">
+          <a:xfrm>
+            <a:off x="4804203" y="2396448"/>
+            <a:ext cx="2818656" cy="1133100"/>
+          </a:xfrm>
+          <a:prstGeom prst="rect">
+            <a:avLst/>
+          </a:prstGeom>
+          <a:noFill/>
+          <a:extLst>
+            <a:ext uri="{909E8E84-426E-40DD-AFC4-6F175D3DCCD1}">
+              <a14:hiddenFill xmlns:a14="http://schemas.microsoft.com/office/drawing/2010/main">
+                <a:solidFill>
+                  <a:srgbClr val="FFFFFF"/>
+                </a:solidFill>
+              </a14:hiddenFill>
+            </a:ext>
+          </a:extLst>
+        </p:spPr>
+      </p:pic>
+      <p:pic>
+        <p:nvPicPr>
+          <p:cNvPr id="2058" name="Picture 10" descr="Nvlogo 2d h">
+            <a:extLst>
+              <a:ext uri="{FF2B5EF4-FFF2-40B4-BE49-F238E27FC236}">
+                <a16:creationId xmlns:a16="http://schemas.microsoft.com/office/drawing/2014/main" id="{0F1EFB9A-DF64-4668-B5CF-B75B0635C769}"/>
+              </a:ext>
+            </a:extLst>
+          </p:cNvPr>
+          <p:cNvPicPr>
+            <a:picLocks noChangeAspect="1" noChangeArrowheads="1"/>
+          </p:cNvPicPr>
+          <p:nvPr/>
+        </p:nvPicPr>
+        <p:blipFill>
+          <a:blip r:embed="rId5" cstate="print">
+            <a:extLst>
+              <a:ext uri="{28A0092B-C50C-407E-A947-70E740481C1C}">
+                <a14:useLocalDpi xmlns:a14="http://schemas.microsoft.com/office/drawing/2010/main" val="0"/>
+              </a:ext>
+            </a:extLst>
+          </a:blip>
+          <a:srcRect/>
+          <a:stretch>
+            <a:fillRect/>
+          </a:stretch>
+        </p:blipFill>
+        <p:spPr bwMode="auto">
+          <a:xfrm>
+            <a:off x="449802" y="2428691"/>
+            <a:ext cx="3570152" cy="769814"/>
+          </a:xfrm>
+          <a:prstGeom prst="rect">
+            <a:avLst/>
+          </a:prstGeom>
+          <a:noFill/>
+          <a:extLst>
+            <a:ext uri="{909E8E84-426E-40DD-AFC4-6F175D3DCCD1}">
+              <a14:hiddenFill xmlns:a14="http://schemas.microsoft.com/office/drawing/2010/main">
+                <a:solidFill>
+                  <a:srgbClr val="FFFFFF"/>
+                </a:solidFill>
+              </a14:hiddenFill>
+            </a:ext>
+          </a:extLst>
+        </p:spPr>
+      </p:pic>
+      <p:pic>
+        <p:nvPicPr>
+          <p:cNvPr id="2062" name="Picture 14" descr="Image result for theano logo">
+            <a:extLst>
+              <a:ext uri="{FF2B5EF4-FFF2-40B4-BE49-F238E27FC236}">
+                <a16:creationId xmlns:a16="http://schemas.microsoft.com/office/drawing/2014/main" id="{9D78A87B-3673-4487-BA61-A8DB01E87C1E}"/>
+              </a:ext>
+            </a:extLst>
+          </p:cNvPr>
+          <p:cNvPicPr>
+            <a:picLocks noChangeAspect="1" noChangeArrowheads="1"/>
+          </p:cNvPicPr>
+          <p:nvPr/>
+        </p:nvPicPr>
+        <p:blipFill>
+          <a:blip r:embed="rId6">
+            <a:extLst>
+              <a:ext uri="{28A0092B-C50C-407E-A947-70E740481C1C}">
+                <a14:useLocalDpi xmlns:a14="http://schemas.microsoft.com/office/drawing/2010/main" val="0"/>
+              </a:ext>
+            </a:extLst>
+          </a:blip>
+          <a:srcRect/>
+          <a:stretch>
+            <a:fillRect/>
+          </a:stretch>
+        </p:blipFill>
+        <p:spPr bwMode="auto">
+          <a:xfrm>
+            <a:off x="1224980" y="3529548"/>
+            <a:ext cx="1905000" cy="1905000"/>
+          </a:xfrm>
+          <a:prstGeom prst="rect">
+            <a:avLst/>
+          </a:prstGeom>
+          <a:noFill/>
+          <a:extLst>
+            <a:ext uri="{909E8E84-426E-40DD-AFC4-6F175D3DCCD1}">
+              <a14:hiddenFill xmlns:a14="http://schemas.microsoft.com/office/drawing/2010/main">
+                <a:solidFill>
+                  <a:srgbClr val="FFFFFF"/>
+                </a:solidFill>
+              </a14:hiddenFill>
+            </a:ext>
+          </a:extLst>
+        </p:spPr>
+      </p:pic>
+      <p:pic>
+        <p:nvPicPr>
+          <p:cNvPr id="2064" name="Picture 16" descr="Related image">
+            <a:extLst>
+              <a:ext uri="{FF2B5EF4-FFF2-40B4-BE49-F238E27FC236}">
+                <a16:creationId xmlns:a16="http://schemas.microsoft.com/office/drawing/2014/main" id="{2504CACA-1AE5-4350-B5FA-79B85CDEEE99}"/>
+              </a:ext>
+            </a:extLst>
+          </p:cNvPr>
+          <p:cNvPicPr>
+            <a:picLocks noChangeAspect="1" noChangeArrowheads="1"/>
+          </p:cNvPicPr>
+          <p:nvPr/>
+        </p:nvPicPr>
+        <p:blipFill>
+          <a:blip r:embed="rId7">
+            <a:extLst>
+              <a:ext uri="{28A0092B-C50C-407E-A947-70E740481C1C}">
+                <a14:useLocalDpi xmlns:a14="http://schemas.microsoft.com/office/drawing/2010/main" val="0"/>
+              </a:ext>
+            </a:extLst>
+          </a:blip>
+          <a:srcRect/>
+          <a:stretch>
+            <a:fillRect/>
+          </a:stretch>
+        </p:blipFill>
+        <p:spPr bwMode="auto">
+          <a:xfrm>
+            <a:off x="3491880" y="3555858"/>
+            <a:ext cx="1905000" cy="1905000"/>
+          </a:xfrm>
+          <a:prstGeom prst="rect">
+            <a:avLst/>
+          </a:prstGeom>
+          <a:noFill/>
+          <a:extLst>
+            <a:ext uri="{909E8E84-426E-40DD-AFC4-6F175D3DCCD1}">
+              <a14:hiddenFill xmlns:a14="http://schemas.microsoft.com/office/drawing/2010/main">
+                <a:solidFill>
+                  <a:srgbClr val="FFFFFF"/>
+                </a:solidFill>
+              </a14:hiddenFill>
+            </a:ext>
+          </a:extLst>
+        </p:spPr>
+      </p:pic>
+      <p:pic>
+        <p:nvPicPr>
+          <p:cNvPr id="2066" name="Picture 18" descr="Related image">
+            <a:extLst>
+              <a:ext uri="{FF2B5EF4-FFF2-40B4-BE49-F238E27FC236}">
+                <a16:creationId xmlns:a16="http://schemas.microsoft.com/office/drawing/2014/main" id="{8A9BDDE2-852F-47A0-ADCB-19A74E07EBC3}"/>
+              </a:ext>
+            </a:extLst>
+          </p:cNvPr>
+          <p:cNvPicPr>
+            <a:picLocks noChangeAspect="1" noChangeArrowheads="1"/>
+          </p:cNvPicPr>
+          <p:nvPr/>
+        </p:nvPicPr>
+        <p:blipFill>
+          <a:blip r:embed="rId8">
+            <a:extLst>
+              <a:ext uri="{28A0092B-C50C-407E-A947-70E740481C1C}">
+                <a14:useLocalDpi xmlns:a14="http://schemas.microsoft.com/office/drawing/2010/main" val="0"/>
+              </a:ext>
+            </a:extLst>
+          </a:blip>
+          <a:srcRect/>
+          <a:stretch>
+            <a:fillRect/>
+          </a:stretch>
+        </p:blipFill>
+        <p:spPr bwMode="auto">
+          <a:xfrm>
+            <a:off x="5084232" y="3422562"/>
+            <a:ext cx="3621782" cy="2069590"/>
+          </a:xfrm>
+          <a:prstGeom prst="rect">
+            <a:avLst/>
+          </a:prstGeom>
+          <a:noFill/>
+          <a:extLst>
+            <a:ext uri="{909E8E84-426E-40DD-AFC4-6F175D3DCCD1}">
+              <a14:hiddenFill xmlns:a14="http://schemas.microsoft.com/office/drawing/2010/main">
+                <a:solidFill>
+                  <a:srgbClr val="FFFFFF"/>
+                </a:solidFill>
+              </a14:hiddenFill>
+            </a:ext>
+          </a:extLst>
+        </p:spPr>
+      </p:pic>
+      <p:pic>
+        <p:nvPicPr>
+          <p:cNvPr id="2068" name="Picture 20" descr="Image result for digits nvidia">
+            <a:extLst>
+              <a:ext uri="{FF2B5EF4-FFF2-40B4-BE49-F238E27FC236}">
+                <a16:creationId xmlns:a16="http://schemas.microsoft.com/office/drawing/2014/main" id="{BCB2F8EA-A1F7-492C-BBD7-221EEAB45F9E}"/>
+              </a:ext>
+            </a:extLst>
+          </p:cNvPr>
+          <p:cNvPicPr>
+            <a:picLocks noChangeAspect="1" noChangeArrowheads="1"/>
+          </p:cNvPicPr>
+          <p:nvPr/>
+        </p:nvPicPr>
+        <p:blipFill>
+          <a:blip r:embed="rId9" cstate="print">
+            <a:extLst>
+              <a:ext uri="{28A0092B-C50C-407E-A947-70E740481C1C}">
+                <a14:useLocalDpi xmlns:a14="http://schemas.microsoft.com/office/drawing/2010/main" val="0"/>
+              </a:ext>
+            </a:extLst>
+          </a:blip>
+          <a:srcRect/>
+          <a:stretch>
+            <a:fillRect/>
+          </a:stretch>
+        </p:blipFill>
+        <p:spPr bwMode="auto">
+          <a:xfrm>
+            <a:off x="1475656" y="5085184"/>
+            <a:ext cx="1157114" cy="962719"/>
+          </a:xfrm>
+          <a:prstGeom prst="rect">
+            <a:avLst/>
+          </a:prstGeom>
+          <a:noFill/>
+          <a:extLst>
+            <a:ext uri="{909E8E84-426E-40DD-AFC4-6F175D3DCCD1}">
+              <a14:hiddenFill xmlns:a14="http://schemas.microsoft.com/office/drawing/2010/main">
+                <a:solidFill>
+                  <a:srgbClr val="FFFFFF"/>
+                </a:solidFill>
+              </a14:hiddenFill>
+            </a:ext>
+          </a:extLst>
+        </p:spPr>
+      </p:pic>
+      <p:pic>
+        <p:nvPicPr>
+          <p:cNvPr id="2070" name="Picture 22" descr="Image result for python">
+            <a:extLst>
+              <a:ext uri="{FF2B5EF4-FFF2-40B4-BE49-F238E27FC236}">
+                <a16:creationId xmlns:a16="http://schemas.microsoft.com/office/drawing/2014/main" id="{EBC56CC2-84DC-48B0-9F11-15FF8031C943}"/>
+              </a:ext>
+            </a:extLst>
+          </p:cNvPr>
+          <p:cNvPicPr>
+            <a:picLocks noChangeAspect="1" noChangeArrowheads="1"/>
+          </p:cNvPicPr>
+          <p:nvPr/>
+        </p:nvPicPr>
+        <p:blipFill>
+          <a:blip r:embed="rId10">
+            <a:extLst>
+              <a:ext uri="{28A0092B-C50C-407E-A947-70E740481C1C}">
+                <a14:useLocalDpi xmlns:a14="http://schemas.microsoft.com/office/drawing/2010/main" val="0"/>
+              </a:ext>
+            </a:extLst>
+          </a:blip>
+          <a:srcRect/>
+          <a:stretch>
+            <a:fillRect/>
+          </a:stretch>
+        </p:blipFill>
+        <p:spPr bwMode="auto">
+          <a:xfrm>
+            <a:off x="3576067" y="5013176"/>
+            <a:ext cx="1736625" cy="1736625"/>
+          </a:xfrm>
+          <a:prstGeom prst="rect">
+            <a:avLst/>
+          </a:prstGeom>
+          <a:noFill/>
+          <a:extLst>
+            <a:ext uri="{909E8E84-426E-40DD-AFC4-6F175D3DCCD1}">
+              <a14:hiddenFill xmlns:a14="http://schemas.microsoft.com/office/drawing/2010/main">
+                <a:solidFill>
+                  <a:srgbClr val="FFFFFF"/>
+                </a:solidFill>
+              </a14:hiddenFill>
+            </a:ext>
+          </a:extLst>
+        </p:spPr>
+      </p:pic>
+    </p:spTree>
+    <p:extLst>
+      <p:ext uri="{BB962C8B-B14F-4D97-AF65-F5344CB8AC3E}">
+        <p14:creationId xmlns:p14="http://schemas.microsoft.com/office/powerpoint/2010/main" val="1919563691"/>
+      </p:ext>
+    </p:extLst>
+  </p:cSld>
+  <p:clrMapOvr>
+    <a:masterClrMapping/>
+  </p:clrMapOvr>
+</p:sld>
+</file>
+
+<file path=ppt/slides/slide23.xml><?xml version="1.0" encoding="utf-8"?>
+<p:sld xmlns:a="http://schemas.openxmlformats.org/drawingml/2006/main" xmlns:r="http://schemas.openxmlformats.org/officeDocument/2006/relationships" xmlns:p="http://schemas.openxmlformats.org/presentationml/2006/main">
+  <p:cSld>
+    <p:spTree>
+      <p:nvGrpSpPr>
+        <p:cNvPr id="1" name=""/>
+        <p:cNvGrpSpPr/>
+        <p:nvPr/>
+      </p:nvGrpSpPr>
+      <p:grpSpPr>
+        <a:xfrm>
+          <a:off x="0" y="0"/>
+          <a:ext cx="0" cy="0"/>
+          <a:chOff x="0" y="0"/>
+          <a:chExt cx="0" cy="0"/>
+        </a:xfrm>
+      </p:grpSpPr>
+      <p:sp>
+        <p:nvSpPr>
+          <p:cNvPr id="4" name="Title 3">
+            <a:extLst>
+              <a:ext uri="{FF2B5EF4-FFF2-40B4-BE49-F238E27FC236}">
+                <a16:creationId xmlns:a16="http://schemas.microsoft.com/office/drawing/2014/main" id="{389CF762-A412-4844-ADBD-6EE49B8F4C8A}"/>
               </a:ext>
             </a:extLst>
           </p:cNvPr>
@@ -6503,7 +7392,7 @@
           <a:p>
             <a:r>
               <a:rPr lang="en-US" dirty="0"/>
-              <a:t>Course introduction</a:t>
+              <a:t>Teach you how to learn!</a:t>
             </a:r>
             <a:endParaRPr lang="en-GB" dirty="0"/>
           </a:p>
@@ -6511,10 +7400,10 @@
       </p:sp>
       <p:sp>
         <p:nvSpPr>
-          <p:cNvPr id="3" name="Subtitle 2">
+          <p:cNvPr id="5" name="Subtitle 4">
             <a:extLst>
               <a:ext uri="{FF2B5EF4-FFF2-40B4-BE49-F238E27FC236}">
-                <a16:creationId xmlns:a16="http://schemas.microsoft.com/office/drawing/2014/main" id="{94C52AEB-4D46-4063-8C74-F00DAA48B991}"/>
+                <a16:creationId xmlns:a16="http://schemas.microsoft.com/office/drawing/2014/main" id="{A40F861C-27BD-4A33-822C-E4244CEC2EBC}"/>
               </a:ext>
             </a:extLst>
           </p:cNvPr>
@@ -6532,7 +7421,7 @@
           <a:p>
             <a:r>
               <a:rPr lang="en-US" dirty="0"/>
-              <a:t>September 2017</a:t>
+              <a:t>Deep-learning is a fast-evolving field. So learning new skills quickly is essential.</a:t>
             </a:r>
             <a:endParaRPr lang="en-GB" dirty="0"/>
           </a:p>
@@ -6541,7 +7430,7 @@
     </p:spTree>
     <p:extLst>
       <p:ext uri="{BB962C8B-B14F-4D97-AF65-F5344CB8AC3E}">
-        <p14:creationId xmlns:p14="http://schemas.microsoft.com/office/powerpoint/2010/main" val="136953748"/>
+        <p14:creationId xmlns:p14="http://schemas.microsoft.com/office/powerpoint/2010/main" val="1189727849"/>
       </p:ext>
     </p:extLst>
   </p:cSld>
@@ -6551,7 +7440,7 @@
 </p:sld>
 </file>
 
-<file path=ppt/slides/slide21.xml><?xml version="1.0" encoding="utf-8"?>
+<file path=ppt/slides/slide24.xml><?xml version="1.0" encoding="utf-8"?>
 <p:sld xmlns:a="http://schemas.openxmlformats.org/drawingml/2006/main" xmlns:r="http://schemas.openxmlformats.org/officeDocument/2006/relationships" xmlns:p="http://schemas.openxmlformats.org/presentationml/2006/main">
   <p:cSld>
     <p:spTree>
@@ -6740,7 +7629,7 @@
           <a:blip r:embed="rId2" cstate="email">
             <a:extLst>
               <a:ext uri="{28A0092B-C50C-407E-A947-70E740481C1C}">
-                <a14:useLocalDpi xmlns:a14="http://schemas.microsoft.com/office/drawing/2010/main"/>
+                <a14:useLocalDpi xmlns:a14="http://schemas.microsoft.com/office/drawing/2010/main" val="0"/>
               </a:ext>
             </a:extLst>
           </a:blip>
@@ -6823,7 +7712,7 @@
           <a:blip r:embed="rId2" cstate="email">
             <a:extLst>
               <a:ext uri="{28A0092B-C50C-407E-A947-70E740481C1C}">
-                <a14:useLocalDpi xmlns:a14="http://schemas.microsoft.com/office/drawing/2010/main"/>
+                <a14:useLocalDpi xmlns:a14="http://schemas.microsoft.com/office/drawing/2010/main" val="0"/>
               </a:ext>
             </a:extLst>
           </a:blip>
@@ -6893,7 +7782,7 @@
           </p:nvPr>
         </p:nvPicPr>
         <p:blipFill>
-          <a:blip r:embed="rId2">
+          <a:blip r:embed="rId2" cstate="print">
             <a:extLst>
               <a:ext uri="{28A0092B-C50C-407E-A947-70E740481C1C}">
                 <a14:useLocalDpi xmlns:a14="http://schemas.microsoft.com/office/drawing/2010/main" val="0"/>
@@ -7251,7 +8140,13 @@
           <p:nvPr/>
         </p:nvPicPr>
         <p:blipFill>
-          <a:blip r:embed="rId2"/>
+          <a:blip r:embed="rId2">
+            <a:extLst>
+              <a:ext uri="{28A0092B-C50C-407E-A947-70E740481C1C}">
+                <a14:useLocalDpi xmlns:a14="http://schemas.microsoft.com/office/drawing/2010/main" val="0"/>
+              </a:ext>
+            </a:extLst>
+          </a:blip>
           <a:stretch>
             <a:fillRect/>
           </a:stretch>
